--- a/Project/presentation.pptx
+++ b/Project/presentation.pptx
@@ -4631,10 +4631,22 @@
           <a:lstStyle/>
           <a:p>
             <a:r>
-              <a:rPr lang="en-US" altLang="zh-CN" dirty="0" err="1">
+              <a:rPr lang="en-US" altLang="zh-CN" dirty="0" err="1" smtClean="0">
                 <a:latin typeface="+mn-lt"/>
               </a:rPr>
               <a:t>Bokeh</a:t>
+            </a:r>
+            <a:r>
+              <a:rPr lang="en-US" altLang="zh-CN" dirty="0" smtClean="0">
+                <a:latin typeface="+mn-lt"/>
+              </a:rPr>
+              <a:t>: plotting, </a:t>
+            </a:r>
+            <a:r>
+              <a:rPr lang="en-US" altLang="zh-CN" dirty="0" err="1" smtClean="0">
+                <a:latin typeface="+mn-lt"/>
+              </a:rPr>
+              <a:t>ColumnDataSource,Circle</a:t>
             </a:r>
             <a:endParaRPr lang="en-US" altLang="zh-CN" dirty="0">
               <a:latin typeface="+mn-lt"/>
@@ -5428,8 +5440,38 @@
         </p:blipFill>
         <p:spPr>
           <a:xfrm>
-            <a:off x="2310218" y="1267349"/>
+            <a:off x="2104494" y="1646237"/>
             <a:ext cx="4759323" cy="3233286"/>
+          </a:xfrm>
+          <a:prstGeom prst="rect">
+            <a:avLst/>
+          </a:prstGeom>
+        </p:spPr>
+      </p:pic>
+      <p:pic>
+        <p:nvPicPr>
+          <p:cNvPr id="6" name="Picture 5"/>
+          <p:cNvPicPr>
+            <a:picLocks noChangeAspect="1"/>
+          </p:cNvPicPr>
+          <p:nvPr/>
+        </p:nvPicPr>
+        <p:blipFill>
+          <a:blip r:embed="rId3">
+            <a:extLst>
+              <a:ext uri="{28A0092B-C50C-407E-A947-70E740481C1C}">
+                <a14:useLocalDpi xmlns:a14="http://schemas.microsoft.com/office/drawing/2010/main" val="0"/>
+              </a:ext>
+            </a:extLst>
+          </a:blip>
+          <a:stretch>
+            <a:fillRect/>
+          </a:stretch>
+        </p:blipFill>
+        <p:spPr>
+          <a:xfrm>
+            <a:off x="7192015" y="648613"/>
+            <a:ext cx="1951985" cy="1414829"/>
           </a:xfrm>
           <a:prstGeom prst="rect">
             <a:avLst/>
@@ -7336,41 +7378,20 @@
           <a:p>
             <a:pPr lvl="2"/>
             <a:r>
-              <a:rPr lang="en-US" altLang="zh-CN" sz="1600" dirty="0" err="1">
-                <a:latin typeface="+mn-lt"/>
-              </a:rPr>
-              <a:t>Df.price.str.replace</a:t>
-            </a:r>
-            <a:r>
-              <a:rPr lang="en-US" altLang="zh-CN" sz="1600" dirty="0">
-                <a:latin typeface="+mn-lt"/>
-              </a:rPr>
-              <a:t>(r’\D+’,’’).</a:t>
-            </a:r>
-            <a:r>
-              <a:rPr lang="en-US" altLang="zh-CN" sz="1600" dirty="0" err="1">
-                <a:latin typeface="+mn-lt"/>
-              </a:rPr>
-              <a:t>astype</a:t>
-            </a:r>
-            <a:r>
-              <a:rPr lang="en-US" altLang="zh-CN" sz="1600" dirty="0">
-                <a:latin typeface="+mn-lt"/>
-              </a:rPr>
-              <a:t>(</a:t>
-            </a:r>
-            <a:r>
-              <a:rPr lang="en-US" altLang="zh-CN" sz="1600" dirty="0" err="1">
-                <a:latin typeface="+mn-lt"/>
-              </a:rPr>
-              <a:t>int</a:t>
-            </a:r>
-            <a:r>
-              <a:rPr lang="en-US" altLang="zh-CN" sz="1600" dirty="0">
-                <a:latin typeface="+mn-lt"/>
-              </a:rPr>
-              <a:t>);</a:t>
-            </a:r>
+              <a:rPr lang="en-US" altLang="zh-CN" sz="1600" dirty="0" err="1" smtClean="0">
+                <a:latin typeface="+mn-lt"/>
+              </a:rPr>
+              <a:t>Data.price</a:t>
+            </a:r>
+            <a:r>
+              <a:rPr lang="en-US" altLang="zh-CN" sz="1600" dirty="0" smtClean="0">
+                <a:latin typeface="+mn-lt"/>
+              </a:rPr>
+              <a:t> = 495000+ -&gt; 495000;</a:t>
+            </a:r>
+            <a:endParaRPr lang="en-US" altLang="zh-CN" sz="1600" dirty="0">
+              <a:latin typeface="+mn-lt"/>
+            </a:endParaRPr>
           </a:p>
           <a:p>
             <a:pPr lvl="1"/>
@@ -7451,36 +7472,6 @@
               <a:t>6</a:t>
             </a:fld>
             <a:endParaRPr lang="en-US"/>
-          </a:p>
-        </p:txBody>
-      </p:sp>
-      <p:sp>
-        <p:nvSpPr>
-          <p:cNvPr id="8" name="文本框 7"/>
-          <p:cNvSpPr txBox="1"/>
-          <p:nvPr/>
-        </p:nvSpPr>
-        <p:spPr>
-          <a:xfrm>
-            <a:off x="4357512" y="6079352"/>
-            <a:ext cx="4675084" cy="276999"/>
-          </a:xfrm>
-          <a:prstGeom prst="rect">
-            <a:avLst/>
-          </a:prstGeom>
-          <a:noFill/>
-        </p:spPr>
-        <p:txBody>
-          <a:bodyPr wrap="square" rtlCol="0">
-            <a:spAutoFit/>
-          </a:bodyPr>
-          <a:lstStyle/>
-          <a:p>
-            <a:r>
-              <a:rPr lang="en-US" altLang="zh-CN" sz="1200" dirty="0"/>
-              <a:t>http://www.zillow.com/howto/DataCoverageZestimateAccuracyTX.htm</a:t>
-            </a:r>
-            <a:endParaRPr lang="zh-CN" altLang="en-US" sz="1200" dirty="0"/>
           </a:p>
         </p:txBody>
       </p:sp>
